--- a/docs/day2-lab1-kubernetes-overview.pptx
+++ b/docs/day2-lab1-kubernetes-overview.pptx
@@ -5,10 +5,10 @@
     <p:sldMasterId id="2147483676" r:id="rId1"/>
   </p:sldMasterIdLst>
   <p:notesMasterIdLst>
-    <p:notesMasterId r:id="rId8"/>
+    <p:notesMasterId r:id="rId9"/>
   </p:notesMasterIdLst>
   <p:handoutMasterIdLst>
-    <p:handoutMasterId r:id="rId9"/>
+    <p:handoutMasterId r:id="rId10"/>
   </p:handoutMasterIdLst>
   <p:sldIdLst>
     <p:sldId id="362" r:id="rId2"/>
@@ -17,42 +17,43 @@
     <p:sldId id="363" r:id="rId5"/>
     <p:sldId id="364" r:id="rId6"/>
     <p:sldId id="365" r:id="rId7"/>
+    <p:sldId id="366" r:id="rId8"/>
   </p:sldIdLst>
   <p:sldSz cx="9144000" cy="5143500" type="screen16x9"/>
   <p:notesSz cx="6858000" cy="9144000"/>
   <p:embeddedFontLst>
     <p:embeddedFont>
       <p:font typeface="Bigshot One" panose="020B0600000101010101" charset="0"/>
-      <p:regular r:id="rId10"/>
+      <p:regular r:id="rId11"/>
     </p:embeddedFont>
     <p:embeddedFont>
       <p:font typeface="Calibri" panose="020F0502020204030204" pitchFamily="34" charset="0"/>
-      <p:regular r:id="rId11"/>
-      <p:bold r:id="rId12"/>
-      <p:italic r:id="rId13"/>
-      <p:boldItalic r:id="rId14"/>
+      <p:regular r:id="rId12"/>
+      <p:bold r:id="rId13"/>
+      <p:italic r:id="rId14"/>
+      <p:boldItalic r:id="rId15"/>
     </p:embeddedFont>
     <p:embeddedFont>
       <p:font typeface="Georgia" panose="02040502050405020303" pitchFamily="18" charset="0"/>
-      <p:regular r:id="rId15"/>
-      <p:bold r:id="rId16"/>
-      <p:italic r:id="rId17"/>
-      <p:boldItalic r:id="rId18"/>
+      <p:regular r:id="rId16"/>
+      <p:bold r:id="rId17"/>
+      <p:italic r:id="rId18"/>
+      <p:boldItalic r:id="rId19"/>
     </p:embeddedFont>
     <p:embeddedFont>
       <p:font typeface="Roboto Condensed Light" panose="02000000000000000000" pitchFamily="2" charset="0"/>
-      <p:regular r:id="rId19"/>
-      <p:italic r:id="rId20"/>
+      <p:regular r:id="rId20"/>
+      <p:italic r:id="rId21"/>
     </p:embeddedFont>
     <p:embeddedFont>
       <p:font typeface="맑은 고딕" panose="020B0503020000020004" pitchFamily="50" charset="-127"/>
-      <p:regular r:id="rId21"/>
-      <p:bold r:id="rId22"/>
+      <p:regular r:id="rId22"/>
+      <p:bold r:id="rId23"/>
     </p:embeddedFont>
     <p:embeddedFont>
       <p:font typeface="맑은 고딕" panose="020B0503020000020004" pitchFamily="50" charset="-127"/>
-      <p:regular r:id="rId21"/>
-      <p:bold r:id="rId22"/>
+      <p:regular r:id="rId22"/>
+      <p:bold r:id="rId23"/>
     </p:embeddedFont>
   </p:embeddedFontLst>
   <p:defaultTextStyle>
@@ -1570,6 +1571,115 @@
     <p:extLst>
       <p:ext uri="{BB962C8B-B14F-4D97-AF65-F5344CB8AC3E}">
         <p14:creationId xmlns:p14="http://schemas.microsoft.com/office/powerpoint/2010/main" val="1917545189"/>
+      </p:ext>
+    </p:extLst>
+  </p:cSld>
+  <p:clrMapOvr>
+    <a:masterClrMapping/>
+  </p:clrMapOvr>
+</p:notes>
+</file>
+
+<file path=ppt/notesSlides/notesSlide7.xml><?xml version="1.0" encoding="utf-8"?>
+<p:notes xmlns:a="http://schemas.openxmlformats.org/drawingml/2006/main" xmlns:r="http://schemas.openxmlformats.org/officeDocument/2006/relationships" xmlns:p="http://schemas.openxmlformats.org/presentationml/2006/main" showMasterSp="0" showMasterPhAnim="0">
+  <p:cSld>
+    <p:spTree>
+      <p:nvGrpSpPr>
+        <p:cNvPr id="1" name="Shape 475"/>
+        <p:cNvGrpSpPr/>
+        <p:nvPr/>
+      </p:nvGrpSpPr>
+      <p:grpSpPr>
+        <a:xfrm>
+          <a:off x="0" y="0"/>
+          <a:ext cx="0" cy="0"/>
+          <a:chOff x="0" y="0"/>
+          <a:chExt cx="0" cy="0"/>
+        </a:xfrm>
+      </p:grpSpPr>
+      <p:sp>
+        <p:nvSpPr>
+          <p:cNvPr id="476" name="Google Shape;476;gf08aea85b7_0_20253:notes"/>
+          <p:cNvSpPr>
+            <a:spLocks noGrp="1" noRot="1" noChangeAspect="1"/>
+          </p:cNvSpPr>
+          <p:nvPr>
+            <p:ph type="sldImg" idx="2"/>
+          </p:nvPr>
+        </p:nvSpPr>
+        <p:spPr>
+          <a:xfrm>
+            <a:off x="381000" y="685800"/>
+            <a:ext cx="6096000" cy="3429000"/>
+          </a:xfrm>
+          <a:custGeom>
+            <a:avLst/>
+            <a:gdLst/>
+            <a:ahLst/>
+            <a:cxnLst/>
+            <a:rect l="l" t="t" r="r" b="b"/>
+            <a:pathLst>
+              <a:path w="120000" h="120000" extrusionOk="0">
+                <a:moveTo>
+                  <a:pt x="0" y="0"/>
+                </a:moveTo>
+                <a:lnTo>
+                  <a:pt x="120000" y="0"/>
+                </a:lnTo>
+                <a:lnTo>
+                  <a:pt x="120000" y="120000"/>
+                </a:lnTo>
+                <a:lnTo>
+                  <a:pt x="0" y="120000"/>
+                </a:lnTo>
+                <a:close/>
+              </a:path>
+            </a:pathLst>
+          </a:custGeom>
+        </p:spPr>
+      </p:sp>
+      <p:sp>
+        <p:nvSpPr>
+          <p:cNvPr id="477" name="Google Shape;477;gf08aea85b7_0_20253:notes"/>
+          <p:cNvSpPr txBox="1">
+            <a:spLocks noGrp="1"/>
+          </p:cNvSpPr>
+          <p:nvPr>
+            <p:ph type="body" idx="1"/>
+          </p:nvPr>
+        </p:nvSpPr>
+        <p:spPr>
+          <a:xfrm>
+            <a:off x="685800" y="4343400"/>
+            <a:ext cx="5486400" cy="4114800"/>
+          </a:xfrm>
+          <a:prstGeom prst="rect">
+            <a:avLst/>
+          </a:prstGeom>
+        </p:spPr>
+        <p:txBody>
+          <a:bodyPr spcFirstLastPara="1" wrap="square" lIns="91425" tIns="91425" rIns="91425" bIns="91425" anchor="t" anchorCtr="0">
+            <a:noAutofit/>
+          </a:bodyPr>
+          <a:lstStyle/>
+          <a:p>
+            <a:pPr marL="0" lvl="0" indent="0" algn="l" rtl="0">
+              <a:spcBef>
+                <a:spcPts val="0"/>
+              </a:spcBef>
+              <a:spcAft>
+                <a:spcPts val="0"/>
+              </a:spcAft>
+              <a:buNone/>
+            </a:pPr>
+            <a:endParaRPr/>
+          </a:p>
+        </p:txBody>
+      </p:sp>
+    </p:spTree>
+    <p:extLst>
+      <p:ext uri="{BB962C8B-B14F-4D97-AF65-F5344CB8AC3E}">
+        <p14:creationId xmlns:p14="http://schemas.microsoft.com/office/powerpoint/2010/main" val="98852667"/>
       </p:ext>
     </p:extLst>
   </p:cSld>
@@ -7161,6 +7271,447 @@
     <p:extLst>
       <p:ext uri="{BB962C8B-B14F-4D97-AF65-F5344CB8AC3E}">
         <p14:creationId xmlns:p14="http://schemas.microsoft.com/office/powerpoint/2010/main" val="2446758482"/>
+      </p:ext>
+    </p:extLst>
+  </p:cSld>
+  <p:clrMapOvr>
+    <a:masterClrMapping/>
+  </p:clrMapOvr>
+</p:sld>
+</file>
+
+<file path=ppt/slides/slide7.xml><?xml version="1.0" encoding="utf-8"?>
+<p:sld xmlns:a="http://schemas.openxmlformats.org/drawingml/2006/main" xmlns:r="http://schemas.openxmlformats.org/officeDocument/2006/relationships" xmlns:p="http://schemas.openxmlformats.org/presentationml/2006/main">
+  <p:cSld>
+    <p:spTree>
+      <p:nvGrpSpPr>
+        <p:cNvPr id="1" name="Shape 478"/>
+        <p:cNvGrpSpPr/>
+        <p:nvPr/>
+      </p:nvGrpSpPr>
+      <p:grpSpPr>
+        <a:xfrm>
+          <a:off x="0" y="0"/>
+          <a:ext cx="0" cy="0"/>
+          <a:chOff x="0" y="0"/>
+          <a:chExt cx="0" cy="0"/>
+        </a:xfrm>
+      </p:grpSpPr>
+      <p:sp>
+        <p:nvSpPr>
+          <p:cNvPr id="43" name="Google Shape;315;p33">
+            <a:extLst>
+              <a:ext uri="{FF2B5EF4-FFF2-40B4-BE49-F238E27FC236}">
+                <a16:creationId xmlns:a16="http://schemas.microsoft.com/office/drawing/2014/main" id="{027269E2-9E11-6E4B-84B6-9BE5FD1AA787}"/>
+              </a:ext>
+            </a:extLst>
+          </p:cNvPr>
+          <p:cNvSpPr txBox="1"/>
+          <p:nvPr/>
+        </p:nvSpPr>
+        <p:spPr>
+          <a:xfrm>
+            <a:off x="5806486" y="105563"/>
+            <a:ext cx="2678400" cy="289800"/>
+          </a:xfrm>
+          <a:prstGeom prst="rect">
+            <a:avLst/>
+          </a:prstGeom>
+          <a:noFill/>
+          <a:ln>
+            <a:noFill/>
+          </a:ln>
+        </p:spPr>
+        <p:txBody>
+          <a:bodyPr spcFirstLastPara="1" wrap="square" lIns="91425" tIns="91425" rIns="91425" bIns="91425" anchor="ctr" anchorCtr="0">
+            <a:noAutofit/>
+          </a:bodyPr>
+          <a:lstStyle/>
+          <a:p>
+            <a:pPr marL="0" lvl="0" indent="0" algn="r" rtl="0">
+              <a:spcBef>
+                <a:spcPts val="0"/>
+              </a:spcBef>
+              <a:spcAft>
+                <a:spcPts val="0"/>
+              </a:spcAft>
+              <a:buNone/>
+            </a:pPr>
+            <a:r>
+              <a:rPr lang="ko-KR" altLang="en-US" sz="1100" b="1" dirty="0" err="1">
+                <a:solidFill>
+                  <a:srgbClr val="0070C0"/>
+                </a:solidFill>
+                <a:latin typeface="Malgun Gothic" panose="020B0503020000020004" pitchFamily="34" charset="-127"/>
+                <a:ea typeface="Malgun Gothic" panose="020B0503020000020004" pitchFamily="34" charset="-127"/>
+                <a:cs typeface="Nunito"/>
+                <a:sym typeface="Nunito"/>
+              </a:rPr>
+              <a:t>쿠버네티스</a:t>
+            </a:r>
+            <a:r>
+              <a:rPr lang="ko-KR" altLang="en-US" sz="1100" b="1" dirty="0">
+                <a:solidFill>
+                  <a:srgbClr val="0070C0"/>
+                </a:solidFill>
+                <a:latin typeface="Malgun Gothic" panose="020B0503020000020004" pitchFamily="34" charset="-127"/>
+                <a:ea typeface="Malgun Gothic" panose="020B0503020000020004" pitchFamily="34" charset="-127"/>
+                <a:cs typeface="Nunito"/>
+                <a:sym typeface="Nunito"/>
+              </a:rPr>
+              <a:t> </a:t>
+            </a:r>
+            <a:r>
+              <a:rPr lang="en-US" altLang="ko-KR" sz="1100" b="1" dirty="0">
+                <a:solidFill>
+                  <a:srgbClr val="0070C0"/>
+                </a:solidFill>
+                <a:latin typeface="Malgun Gothic" panose="020B0503020000020004" pitchFamily="34" charset="-127"/>
+                <a:ea typeface="Malgun Gothic" panose="020B0503020000020004" pitchFamily="34" charset="-127"/>
+                <a:cs typeface="Nunito"/>
+                <a:sym typeface="Nunito"/>
+              </a:rPr>
+              <a:t>Overview</a:t>
+            </a:r>
+            <a:endParaRPr sz="1100" b="1" dirty="0">
+              <a:solidFill>
+                <a:srgbClr val="0070C0"/>
+              </a:solidFill>
+              <a:latin typeface="Malgun Gothic" panose="020B0503020000020004" pitchFamily="34" charset="-127"/>
+              <a:ea typeface="Malgun Gothic" panose="020B0503020000020004" pitchFamily="34" charset="-127"/>
+              <a:cs typeface="Nunito"/>
+              <a:sym typeface="Nunito"/>
+            </a:endParaRPr>
+          </a:p>
+        </p:txBody>
+      </p:sp>
+      <p:sp>
+        <p:nvSpPr>
+          <p:cNvPr id="2" name="텍스트 개체 틀 1">
+            <a:extLst>
+              <a:ext uri="{FF2B5EF4-FFF2-40B4-BE49-F238E27FC236}">
+                <a16:creationId xmlns:a16="http://schemas.microsoft.com/office/drawing/2014/main" id="{74188240-77A4-4D82-A0BB-26B010DA8077}"/>
+              </a:ext>
+            </a:extLst>
+          </p:cNvPr>
+          <p:cNvSpPr>
+            <a:spLocks noGrp="1"/>
+          </p:cNvSpPr>
+          <p:nvPr>
+            <p:ph type="body" idx="1"/>
+          </p:nvPr>
+        </p:nvSpPr>
+        <p:spPr>
+          <a:xfrm>
+            <a:off x="266314" y="1020747"/>
+            <a:ext cx="8535372" cy="3073055"/>
+          </a:xfrm>
+        </p:spPr>
+        <p:txBody>
+          <a:bodyPr/>
+          <a:lstStyle/>
+          <a:p>
+            <a:pPr marL="152400" indent="0">
+              <a:buNone/>
+            </a:pPr>
+            <a:r>
+              <a:rPr lang="ko-KR" altLang="en-US" sz="900" dirty="0"/>
+              <a:t>릴리스 히스토리 </a:t>
+            </a:r>
+            <a:r>
+              <a:rPr lang="en-US" altLang="ko-KR" sz="900" dirty="0"/>
+              <a:t>: </a:t>
+            </a:r>
+            <a:r>
+              <a:rPr lang="en-US" altLang="ko-KR" sz="900" dirty="0">
+                <a:hlinkClick r:id="rId3"/>
+              </a:rPr>
+              <a:t>https://kubernetes.io/ko/releases/</a:t>
+            </a:r>
+            <a:endParaRPr lang="en-US" altLang="ko-KR" sz="900" dirty="0"/>
+          </a:p>
+          <a:p>
+            <a:pPr marL="152400" indent="0">
+              <a:buNone/>
+            </a:pPr>
+            <a:endParaRPr lang="en-US" altLang="ko-KR" sz="900" dirty="0"/>
+          </a:p>
+          <a:p>
+            <a:pPr marL="152400" indent="0">
+              <a:buNone/>
+            </a:pPr>
+            <a:r>
+              <a:rPr lang="en-US" altLang="ko-KR" sz="900" dirty="0"/>
+              <a:t>EKS : </a:t>
+            </a:r>
+            <a:r>
+              <a:rPr lang="en-US" altLang="ko-KR" sz="900" dirty="0">
+                <a:hlinkClick r:id="rId4"/>
+              </a:rPr>
+              <a:t>https://docs.aws.amazon.com/eks/latest/userguide/kubernetes-versions.html</a:t>
+            </a:r>
+            <a:endParaRPr lang="en-US" altLang="ko-KR" sz="900" dirty="0"/>
+          </a:p>
+          <a:p>
+            <a:pPr marL="152400" indent="0">
+              <a:buNone/>
+            </a:pPr>
+            <a:endParaRPr lang="en-US" altLang="ko-KR" sz="900" dirty="0"/>
+          </a:p>
+          <a:p>
+            <a:pPr marL="152400" indent="0">
+              <a:buNone/>
+            </a:pPr>
+            <a:r>
+              <a:rPr lang="en-US" altLang="ko-KR" sz="900" dirty="0"/>
+              <a:t>GKE : </a:t>
+            </a:r>
+            <a:r>
+              <a:rPr lang="en-US" altLang="ko-KR" sz="900" dirty="0">
+                <a:hlinkClick r:id="rId5"/>
+              </a:rPr>
+              <a:t>https://cloud.google.com/kubernetes-engine/docs/release-schedule</a:t>
+            </a:r>
+            <a:endParaRPr lang="en-US" altLang="ko-KR" sz="900" dirty="0"/>
+          </a:p>
+          <a:p>
+            <a:pPr marL="152400" indent="0">
+              <a:buNone/>
+            </a:pPr>
+            <a:endParaRPr lang="en-US" altLang="ko-KR" sz="900" dirty="0"/>
+          </a:p>
+          <a:p>
+            <a:pPr marL="152400" indent="0">
+              <a:buNone/>
+            </a:pPr>
+            <a:r>
+              <a:rPr lang="en-US" altLang="ko-KR" sz="900" dirty="0"/>
+              <a:t>AKS : </a:t>
+            </a:r>
+            <a:r>
+              <a:rPr lang="en-US" altLang="ko-KR" sz="900" dirty="0">
+                <a:hlinkClick r:id="rId6"/>
+              </a:rPr>
+              <a:t>https://docs.microsoft.com/ko-kr/azure/aks/supported-kubernetes-versions?tabs=azure-cli</a:t>
+            </a:r>
+            <a:endParaRPr lang="en-US" altLang="ko-KR" sz="900" dirty="0"/>
+          </a:p>
+          <a:p>
+            <a:pPr marL="152400" indent="0">
+              <a:buNone/>
+            </a:pPr>
+            <a:endParaRPr lang="en-US" altLang="ko-KR" sz="900" dirty="0"/>
+          </a:p>
+          <a:p>
+            <a:pPr marL="152400" indent="0">
+              <a:buNone/>
+            </a:pPr>
+            <a:endParaRPr lang="en-US" altLang="ko-KR" sz="900" dirty="0"/>
+          </a:p>
+          <a:p>
+            <a:pPr marL="152400" indent="0">
+              <a:buNone/>
+            </a:pPr>
+            <a:r>
+              <a:rPr lang="en-US" altLang="ko-KR" sz="900" dirty="0"/>
+              <a:t>Linux Foundation </a:t>
+            </a:r>
+            <a:r>
+              <a:rPr lang="ko-KR" altLang="en-US" sz="900" dirty="0"/>
+              <a:t>에서 발표하는 최신 버전과 각 </a:t>
+            </a:r>
+            <a:r>
+              <a:rPr lang="en-US" altLang="ko-KR" sz="900" dirty="0"/>
+              <a:t>Public Cloud</a:t>
+            </a:r>
+            <a:r>
+              <a:rPr lang="ko-KR" altLang="en-US" sz="900" dirty="0"/>
+              <a:t>가 공개하는 버전 간의 차이가 있다</a:t>
+            </a:r>
+            <a:r>
+              <a:rPr lang="en-US" altLang="ko-KR" sz="900" dirty="0"/>
+              <a:t>.</a:t>
+            </a:r>
+          </a:p>
+          <a:p>
+            <a:pPr marL="152400" indent="0">
+              <a:buNone/>
+            </a:pPr>
+            <a:r>
+              <a:rPr lang="ko-KR" altLang="en-US" sz="900" dirty="0"/>
+              <a:t>이는</a:t>
+            </a:r>
+            <a:r>
+              <a:rPr lang="en-US" altLang="ko-KR" sz="900" dirty="0"/>
+              <a:t>, K8S</a:t>
+            </a:r>
+            <a:r>
+              <a:rPr lang="ko-KR" altLang="en-US" sz="900" dirty="0"/>
+              <a:t>의 </a:t>
+            </a:r>
+            <a:r>
+              <a:rPr lang="ko-KR" altLang="en-US" sz="900" dirty="0" err="1"/>
+              <a:t>애드온이나</a:t>
+            </a:r>
+            <a:r>
+              <a:rPr lang="ko-KR" altLang="en-US" sz="900" dirty="0"/>
+              <a:t> 기타 에코시스템과의 상호 호환성이 확보되어야 하기에 보수적으로 업그레이드 되는 경향이 있다</a:t>
+            </a:r>
+            <a:r>
+              <a:rPr lang="en-US" altLang="ko-KR" sz="900" dirty="0"/>
+              <a:t>.</a:t>
+            </a:r>
+          </a:p>
+          <a:p>
+            <a:pPr marL="152400" indent="0">
+              <a:buNone/>
+            </a:pPr>
+            <a:r>
+              <a:rPr lang="ko-KR" altLang="en-US" sz="900" dirty="0"/>
+              <a:t>따라서</a:t>
+            </a:r>
+            <a:r>
+              <a:rPr lang="en-US" altLang="ko-KR" sz="900" dirty="0"/>
+              <a:t>, </a:t>
+            </a:r>
+            <a:r>
+              <a:rPr lang="ko-KR" altLang="en-US" sz="900" dirty="0" err="1"/>
+              <a:t>온프레미스</a:t>
+            </a:r>
+            <a:r>
+              <a:rPr lang="ko-KR" altLang="en-US" sz="900" dirty="0"/>
+              <a:t> 운영을 염두에 둔다면 각 </a:t>
+            </a:r>
+            <a:r>
+              <a:rPr lang="en-US" altLang="ko-KR" sz="900" dirty="0"/>
+              <a:t>Public Cloud </a:t>
+            </a:r>
+            <a:r>
+              <a:rPr lang="ko-KR" altLang="en-US" sz="900" dirty="0"/>
+              <a:t>의 릴리즈 노트를 확인하여 참고하는 것이 좋을 것이다</a:t>
+            </a:r>
+            <a:r>
+              <a:rPr lang="en-US" altLang="ko-KR" sz="900" dirty="0"/>
+              <a:t>.</a:t>
+            </a:r>
+          </a:p>
+          <a:p>
+            <a:pPr marL="152400" indent="0">
+              <a:buNone/>
+            </a:pPr>
+            <a:r>
+              <a:rPr lang="en-US" altLang="ko-KR" sz="900" dirty="0"/>
+              <a:t>(</a:t>
+            </a:r>
+            <a:r>
+              <a:rPr lang="ko-KR" altLang="en-US" sz="900" dirty="0"/>
+              <a:t>특히</a:t>
+            </a:r>
+            <a:r>
+              <a:rPr lang="en-US" altLang="ko-KR" sz="900" dirty="0"/>
+              <a:t>, </a:t>
+            </a:r>
+            <a:r>
+              <a:rPr lang="ko-KR" altLang="en-US" sz="900" dirty="0"/>
+              <a:t>지원 종료 되는 버전에 대해서는 특별히 신경 써야 한다</a:t>
+            </a:r>
+            <a:r>
+              <a:rPr lang="en-US" altLang="ko-KR" sz="900" dirty="0"/>
+              <a:t>.)</a:t>
+            </a:r>
+          </a:p>
+          <a:p>
+            <a:pPr marL="152400" indent="0">
+              <a:buNone/>
+            </a:pPr>
+            <a:endParaRPr lang="en-US" altLang="ko-KR" sz="900" dirty="0"/>
+          </a:p>
+          <a:p>
+            <a:pPr marL="152400" indent="0">
+              <a:buNone/>
+            </a:pPr>
+            <a:endParaRPr lang="en-US" altLang="ko-KR" sz="900" dirty="0"/>
+          </a:p>
+          <a:p>
+            <a:pPr marL="152400" indent="0">
+              <a:buNone/>
+            </a:pPr>
+            <a:endParaRPr lang="en-US" altLang="ko-KR" sz="900" dirty="0"/>
+          </a:p>
+          <a:p>
+            <a:pPr marL="152400" indent="0">
+              <a:buNone/>
+            </a:pPr>
+            <a:endParaRPr lang="en-US" altLang="ko-KR" sz="900" dirty="0"/>
+          </a:p>
+          <a:p>
+            <a:pPr marL="152400" indent="0">
+              <a:buNone/>
+            </a:pPr>
+            <a:endParaRPr lang="en-US" altLang="ko-KR" sz="900" dirty="0"/>
+          </a:p>
+        </p:txBody>
+      </p:sp>
+      <p:sp>
+        <p:nvSpPr>
+          <p:cNvPr id="481" name="Google Shape;481;p40"/>
+          <p:cNvSpPr txBox="1">
+            <a:spLocks noGrp="1"/>
+          </p:cNvSpPr>
+          <p:nvPr>
+            <p:ph type="title"/>
+          </p:nvPr>
+        </p:nvSpPr>
+        <p:spPr>
+          <a:xfrm>
+            <a:off x="209643" y="539400"/>
+            <a:ext cx="8742556" cy="289800"/>
+          </a:xfrm>
+          <a:prstGeom prst="rect">
+            <a:avLst/>
+          </a:prstGeom>
+        </p:spPr>
+        <p:txBody>
+          <a:bodyPr spcFirstLastPara="1" wrap="square" lIns="91425" tIns="91425" rIns="91425" bIns="91425" anchor="ctr" anchorCtr="0">
+            <a:noAutofit/>
+          </a:bodyPr>
+          <a:lstStyle/>
+          <a:p>
+            <a:pPr lvl="1"/>
+            <a:r>
+              <a:rPr lang="en-US" sz="2000" b="1" dirty="0">
+                <a:solidFill>
+                  <a:srgbClr val="0070C0"/>
+                </a:solidFill>
+                <a:latin typeface="+mn-lt"/>
+                <a:ea typeface="+mn-ea"/>
+              </a:rPr>
+              <a:t>Release History </a:t>
+            </a:r>
+            <a:r>
+              <a:rPr lang="ko-KR" altLang="en-US" sz="2000" b="1" dirty="0">
+                <a:solidFill>
+                  <a:srgbClr val="0070C0"/>
+                </a:solidFill>
+                <a:latin typeface="+mn-lt"/>
+                <a:ea typeface="+mn-ea"/>
+              </a:rPr>
+              <a:t>및 버전 선택</a:t>
+            </a:r>
+            <a:endParaRPr sz="2000" b="1" dirty="0">
+              <a:solidFill>
+                <a:srgbClr val="0070C0"/>
+              </a:solidFill>
+              <a:latin typeface="+mn-lt"/>
+              <a:ea typeface="+mn-ea"/>
+            </a:endParaRPr>
+          </a:p>
+        </p:txBody>
+      </p:sp>
+    </p:spTree>
+    <p:extLst>
+      <p:ext uri="{BB962C8B-B14F-4D97-AF65-F5344CB8AC3E}">
+        <p14:creationId xmlns:p14="http://schemas.microsoft.com/office/powerpoint/2010/main" val="3939317593"/>
       </p:ext>
     </p:extLst>
   </p:cSld>
